--- a/Python/PycharmGUIProjects/asdf.pptx
+++ b/Python/PycharmGUIProjects/asdf.pptx
@@ -107,6 +107,11 @@
       </a:defRPr>
     </a:lvl9pPr>
   </p:defaultTextStyle>
+  <p:extLst>
+    <p:ext uri="{EFAFB233-063F-42B5-8137-9DF3F51BA10A}">
+      <p15:sldGuideLst xmlns:p15="http://schemas.microsoft.com/office/powerpoint/2012/main"/>
+    </p:ext>
+  </p:extLst>
 </p:presentation>
 </file>
 
@@ -5270,8 +5275,8 @@
         </p:nvSpPr>
         <p:spPr>
           <a:xfrm>
-            <a:off x="3557170" y="2659916"/>
-            <a:ext cx="2838442" cy="830997"/>
+            <a:off x="3223683" y="2167474"/>
+            <a:ext cx="2838442" cy="1323439"/>
           </a:xfrm>
           <a:prstGeom prst="rect">
             <a:avLst/>
@@ -5303,6 +5308,18 @@
               </a:rPr>
               <a:t>. </a:t>
             </a:r>
+          </a:p>
+          <a:p>
+            <a:r>
+              <a:rPr lang="ko-KR" altLang="en-US" sz="1600" dirty="0">
+                <a:solidFill>
+                  <a:srgbClr val="FF0000"/>
+                </a:solidFill>
+                <a:latin typeface="넥슨 풋볼고딕 L" panose="020B0303000000000000" pitchFamily="50" charset="-127"/>
+                <a:ea typeface="넥슨 풋볼고딕 L" panose="020B0303000000000000" pitchFamily="50" charset="-127"/>
+              </a:rPr>
+              <a:t>게임 오버 이전에 </a:t>
+            </a:r>
             <a:r>
               <a:rPr lang="ko-KR" altLang="en-US" sz="1600" dirty="0">
                 <a:latin typeface="넥슨 풋볼고딕 L" panose="020B0303000000000000" pitchFamily="50" charset="-127"/>
@@ -5321,34 +5338,20 @@
                 <a:latin typeface="넥슨 풋볼고딕 L" panose="020B0303000000000000" pitchFamily="50" charset="-127"/>
                 <a:ea typeface="넥슨 풋볼고딕 L" panose="020B0303000000000000" pitchFamily="50" charset="-127"/>
               </a:rPr>
-              <a:t>랭킹에 자신의 점수</a:t>
-            </a:r>
-            <a:r>
-              <a:rPr lang="en-US" altLang="ko-KR" sz="1600" dirty="0">
-                <a:latin typeface="넥슨 풋볼고딕 L" panose="020B0303000000000000" pitchFamily="50" charset="-127"/>
-                <a:ea typeface="넥슨 풋볼고딕 L" panose="020B0303000000000000" pitchFamily="50" charset="-127"/>
-              </a:rPr>
-              <a:t>, </a:t>
-            </a:r>
+              <a:t>랭킹에 자신의 이름을 </a:t>
+            </a:r>
+            <a:endParaRPr lang="en-US" altLang="ko-KR" sz="1600" dirty="0">
+              <a:latin typeface="넥슨 풋볼고딕 L" panose="020B0303000000000000" pitchFamily="50" charset="-127"/>
+              <a:ea typeface="넥슨 풋볼고딕 L" panose="020B0303000000000000" pitchFamily="50" charset="-127"/>
+            </a:endParaRPr>
+          </a:p>
+          <a:p>
             <a:r>
               <a:rPr lang="ko-KR" altLang="en-US" sz="1600" dirty="0">
                 <a:latin typeface="넥슨 풋볼고딕 L" panose="020B0303000000000000" pitchFamily="50" charset="-127"/>
                 <a:ea typeface="넥슨 풋볼고딕 L" panose="020B0303000000000000" pitchFamily="50" charset="-127"/>
               </a:rPr>
-              <a:t>라운드 수를 </a:t>
-            </a:r>
-            <a:endParaRPr lang="en-US" altLang="ko-KR" sz="1600" dirty="0">
-              <a:latin typeface="넥슨 풋볼고딕 L" panose="020B0303000000000000" pitchFamily="50" charset="-127"/>
-              <a:ea typeface="넥슨 풋볼고딕 L" panose="020B0303000000000000" pitchFamily="50" charset="-127"/>
-            </a:endParaRPr>
-          </a:p>
-          <a:p>
-            <a:r>
-              <a:rPr lang="ko-KR" altLang="en-US" sz="1600" dirty="0">
-                <a:latin typeface="넥슨 풋볼고딕 L" panose="020B0303000000000000" pitchFamily="50" charset="-127"/>
-                <a:ea typeface="넥슨 풋볼고딕 L" panose="020B0303000000000000" pitchFamily="50" charset="-127"/>
-              </a:rPr>
-              <a:t>기록할 수 있습니다</a:t>
+              <a:t>기록할 수 있는 화면으로 넘어갑니다</a:t>
             </a:r>
             <a:r>
               <a:rPr lang="en-US" altLang="ko-KR" sz="1600" dirty="0">

--- a/Python/PycharmGUIProjects/asdf.pptx
+++ b/Python/PycharmGUIProjects/asdf.pptx
@@ -246,7 +246,7 @@
           <a:p>
             <a:fld id="{4CEB9365-6672-4BC6-98D8-246E48B84D44}" type="datetimeFigureOut">
               <a:rPr lang="ko-KR" altLang="en-US" smtClean="0"/>
-              <a:t>2020-08-28</a:t>
+              <a:t>2020-08-30</a:t>
             </a:fld>
             <a:endParaRPr lang="ko-KR" altLang="en-US"/>
           </a:p>
@@ -416,7 +416,7 @@
           <a:p>
             <a:fld id="{4CEB9365-6672-4BC6-98D8-246E48B84D44}" type="datetimeFigureOut">
               <a:rPr lang="ko-KR" altLang="en-US" smtClean="0"/>
-              <a:t>2020-08-28</a:t>
+              <a:t>2020-08-30</a:t>
             </a:fld>
             <a:endParaRPr lang="ko-KR" altLang="en-US"/>
           </a:p>
@@ -596,7 +596,7 @@
           <a:p>
             <a:fld id="{4CEB9365-6672-4BC6-98D8-246E48B84D44}" type="datetimeFigureOut">
               <a:rPr lang="ko-KR" altLang="en-US" smtClean="0"/>
-              <a:t>2020-08-28</a:t>
+              <a:t>2020-08-30</a:t>
             </a:fld>
             <a:endParaRPr lang="ko-KR" altLang="en-US"/>
           </a:p>
@@ -766,7 +766,7 @@
           <a:p>
             <a:fld id="{4CEB9365-6672-4BC6-98D8-246E48B84D44}" type="datetimeFigureOut">
               <a:rPr lang="ko-KR" altLang="en-US" smtClean="0"/>
-              <a:t>2020-08-28</a:t>
+              <a:t>2020-08-30</a:t>
             </a:fld>
             <a:endParaRPr lang="ko-KR" altLang="en-US"/>
           </a:p>
@@ -1010,7 +1010,7 @@
           <a:p>
             <a:fld id="{4CEB9365-6672-4BC6-98D8-246E48B84D44}" type="datetimeFigureOut">
               <a:rPr lang="ko-KR" altLang="en-US" smtClean="0"/>
-              <a:t>2020-08-28</a:t>
+              <a:t>2020-08-30</a:t>
             </a:fld>
             <a:endParaRPr lang="ko-KR" altLang="en-US"/>
           </a:p>
@@ -1242,7 +1242,7 @@
           <a:p>
             <a:fld id="{4CEB9365-6672-4BC6-98D8-246E48B84D44}" type="datetimeFigureOut">
               <a:rPr lang="ko-KR" altLang="en-US" smtClean="0"/>
-              <a:t>2020-08-28</a:t>
+              <a:t>2020-08-30</a:t>
             </a:fld>
             <a:endParaRPr lang="ko-KR" altLang="en-US"/>
           </a:p>
@@ -1609,7 +1609,7 @@
           <a:p>
             <a:fld id="{4CEB9365-6672-4BC6-98D8-246E48B84D44}" type="datetimeFigureOut">
               <a:rPr lang="ko-KR" altLang="en-US" smtClean="0"/>
-              <a:t>2020-08-28</a:t>
+              <a:t>2020-08-30</a:t>
             </a:fld>
             <a:endParaRPr lang="ko-KR" altLang="en-US"/>
           </a:p>
@@ -1727,7 +1727,7 @@
           <a:p>
             <a:fld id="{4CEB9365-6672-4BC6-98D8-246E48B84D44}" type="datetimeFigureOut">
               <a:rPr lang="ko-KR" altLang="en-US" smtClean="0"/>
-              <a:t>2020-08-28</a:t>
+              <a:t>2020-08-30</a:t>
             </a:fld>
             <a:endParaRPr lang="ko-KR" altLang="en-US"/>
           </a:p>
@@ -1822,7 +1822,7 @@
           <a:p>
             <a:fld id="{4CEB9365-6672-4BC6-98D8-246E48B84D44}" type="datetimeFigureOut">
               <a:rPr lang="ko-KR" altLang="en-US" smtClean="0"/>
-              <a:t>2020-08-28</a:t>
+              <a:t>2020-08-30</a:t>
             </a:fld>
             <a:endParaRPr lang="ko-KR" altLang="en-US"/>
           </a:p>
@@ -2099,7 +2099,7 @@
           <a:p>
             <a:fld id="{4CEB9365-6672-4BC6-98D8-246E48B84D44}" type="datetimeFigureOut">
               <a:rPr lang="ko-KR" altLang="en-US" smtClean="0"/>
-              <a:t>2020-08-28</a:t>
+              <a:t>2020-08-30</a:t>
             </a:fld>
             <a:endParaRPr lang="ko-KR" altLang="en-US"/>
           </a:p>
@@ -2356,7 +2356,7 @@
           <a:p>
             <a:fld id="{4CEB9365-6672-4BC6-98D8-246E48B84D44}" type="datetimeFigureOut">
               <a:rPr lang="ko-KR" altLang="en-US" smtClean="0"/>
-              <a:t>2020-08-28</a:t>
+              <a:t>2020-08-30</a:t>
             </a:fld>
             <a:endParaRPr lang="ko-KR" altLang="en-US"/>
           </a:p>
@@ -2569,7 +2569,7 @@
           <a:p>
             <a:fld id="{4CEB9365-6672-4BC6-98D8-246E48B84D44}" type="datetimeFigureOut">
               <a:rPr lang="ko-KR" altLang="en-US" smtClean="0"/>
-              <a:t>2020-08-28</a:t>
+              <a:t>2020-08-30</a:t>
             </a:fld>
             <a:endParaRPr lang="ko-KR" altLang="en-US"/>
           </a:p>
@@ -3953,7 +3953,7 @@
         <p:spPr>
           <a:xfrm>
             <a:off x="130247" y="4031076"/>
-            <a:ext cx="4062413" cy="584775"/>
+            <a:ext cx="4062413" cy="830997"/>
           </a:xfrm>
           <a:prstGeom prst="rect">
             <a:avLst/>
@@ -3974,14 +3974,14 @@
             <a:r>
               <a:rPr lang="ko-KR" altLang="en-US" sz="1600" dirty="0">
                 <a:latin typeface="넥슨 풋볼고딕 L" panose="020B0303000000000000" pitchFamily="50" charset="-127"/>
-                <a:ea typeface="넥슨 풋볼고딕 L" panose="020B0303000000000000" pitchFamily="50" charset="-127"/>
+                <a:ea typeface="넥슨 풋볼고딕 L" panose="020B0303000000000000"/>
               </a:rPr>
               <a:t>오른 쪽 버튼을 누르면 주사위를 무작위로 뽑습니다</a:t>
             </a:r>
             <a:r>
               <a:rPr lang="en-US" altLang="ko-KR" sz="1600" dirty="0">
                 <a:latin typeface="넥슨 풋볼고딕 L" panose="020B0303000000000000" pitchFamily="50" charset="-127"/>
-                <a:ea typeface="넥슨 풋볼고딕 L" panose="020B0303000000000000" pitchFamily="50" charset="-127"/>
+                <a:ea typeface="넥슨 풋볼고딕 L" panose="020B0303000000000000"/>
               </a:rPr>
               <a:t>.</a:t>
             </a:r>
@@ -3990,7 +3990,7 @@
             <a:r>
               <a:rPr lang="ko-KR" altLang="en-US" sz="1600" dirty="0">
                 <a:latin typeface="넥슨 풋볼고딕 L" panose="020B0303000000000000" pitchFamily="50" charset="-127"/>
-                <a:ea typeface="넥슨 풋볼고딕 L" panose="020B0303000000000000" pitchFamily="50" charset="-127"/>
+                <a:ea typeface="넥슨 풋볼고딕 L" panose="020B0303000000000000"/>
               </a:rPr>
               <a:t>결과는 위에 나타납니다</a:t>
             </a:r>
@@ -4014,8 +4014,8 @@
         </p:nvCxnSpPr>
         <p:spPr>
           <a:xfrm flipV="1">
-            <a:off x="4192660" y="3955595"/>
-            <a:ext cx="1043662" cy="367869"/>
+            <a:off x="4192660" y="3955597"/>
+            <a:ext cx="1043662" cy="345660"/>
           </a:xfrm>
           <a:prstGeom prst="straightConnector1">
             <a:avLst/>
